--- a/06_HelloWorld.pptx
+++ b/06_HelloWorld.pptx
@@ -26,8 +26,8 @@
     <p:sldId id="282" r:id="rId17"/>
     <p:sldId id="283" r:id="rId18"/>
     <p:sldId id="281" r:id="rId19"/>
-    <p:sldId id="284" r:id="rId20"/>
-    <p:sldId id="290" r:id="rId21"/>
+    <p:sldId id="291" r:id="rId20"/>
+    <p:sldId id="284" r:id="rId21"/>
     <p:sldId id="286" r:id="rId22"/>
     <p:sldId id="285" r:id="rId23"/>
     <p:sldId id="287" r:id="rId24"/>
@@ -234,7 +234,7 @@
             <a:fld id="{6837EDA8-41C8-4B24-A206-13C08A65A6D7}" type="datetimeFigureOut">
               <a:rPr lang="zh-TW" altLang="en-US" smtClean="0"/>
               <a:pPr/>
-              <a:t>2020/4/24</a:t>
+              <a:t>2020/4/25</a:t>
             </a:fld>
             <a:endParaRPr lang="zh-TW" altLang="en-US"/>
           </a:p>
@@ -687,7 +687,7 @@
             <a:fld id="{8B85509C-BD4F-47BF-9B1E-FC2E949B3621}" type="datetime1">
               <a:rPr lang="zh-TW" altLang="en-US" smtClean="0"/>
               <a:pPr/>
-              <a:t>2020/4/24</a:t>
+              <a:t>2020/4/25</a:t>
             </a:fld>
             <a:endParaRPr lang="zh-TW" altLang="en-US"/>
           </a:p>
@@ -860,7 +860,7 @@
             <a:fld id="{42251B24-F787-4C15-8A0F-7AEC20C70069}" type="datetime1">
               <a:rPr lang="zh-TW" altLang="en-US" smtClean="0"/>
               <a:pPr/>
-              <a:t>2020/4/24</a:t>
+              <a:t>2020/4/25</a:t>
             </a:fld>
             <a:endParaRPr lang="zh-TW" altLang="en-US"/>
           </a:p>
@@ -1035,7 +1035,7 @@
             <a:fld id="{9CA0D33C-CE2B-45F1-B8D4-FFD1F131F331}" type="datetime1">
               <a:rPr lang="zh-TW" altLang="en-US" smtClean="0"/>
               <a:pPr/>
-              <a:t>2020/4/24</a:t>
+              <a:t>2020/4/25</a:t>
             </a:fld>
             <a:endParaRPr lang="zh-TW" altLang="en-US"/>
           </a:p>
@@ -1200,7 +1200,7 @@
             <a:fld id="{50B99440-D9EF-40CC-9B52-F6428D9B2C76}" type="datetime1">
               <a:rPr lang="zh-TW" altLang="en-US" smtClean="0"/>
               <a:pPr/>
-              <a:t>2020/4/24</a:t>
+              <a:t>2020/4/25</a:t>
             </a:fld>
             <a:endParaRPr lang="zh-TW" altLang="en-US"/>
           </a:p>
@@ -1442,7 +1442,7 @@
             <a:fld id="{0871BF52-5C6C-4959-8E27-CECB68D39FE4}" type="datetime1">
               <a:rPr lang="zh-TW" altLang="en-US" smtClean="0"/>
               <a:pPr/>
-              <a:t>2020/4/24</a:t>
+              <a:t>2020/4/25</a:t>
             </a:fld>
             <a:endParaRPr lang="zh-TW" altLang="en-US"/>
           </a:p>
@@ -1724,7 +1724,7 @@
             <a:fld id="{DF863F05-2DD9-4EB1-A827-12FD992DE9DC}" type="datetime1">
               <a:rPr lang="zh-TW" altLang="en-US" smtClean="0"/>
               <a:pPr/>
-              <a:t>2020/4/24</a:t>
+              <a:t>2020/4/25</a:t>
             </a:fld>
             <a:endParaRPr lang="zh-TW" altLang="en-US"/>
           </a:p>
@@ -2140,7 +2140,7 @@
             <a:fld id="{6339AF51-4491-4873-A096-75DB6CE47516}" type="datetime1">
               <a:rPr lang="zh-TW" altLang="en-US" smtClean="0"/>
               <a:pPr/>
-              <a:t>2020/4/24</a:t>
+              <a:t>2020/4/25</a:t>
             </a:fld>
             <a:endParaRPr lang="zh-TW" altLang="en-US"/>
           </a:p>
@@ -2254,7 +2254,7 @@
             <a:fld id="{EE4AD9C8-8B9E-40FF-ABE2-858AC2057BBB}" type="datetime1">
               <a:rPr lang="zh-TW" altLang="en-US" smtClean="0"/>
               <a:pPr/>
-              <a:t>2020/4/24</a:t>
+              <a:t>2020/4/25</a:t>
             </a:fld>
             <a:endParaRPr lang="zh-TW" altLang="en-US"/>
           </a:p>
@@ -2346,7 +2346,7 @@
             <a:fld id="{B4784999-BBBE-4BE4-A8D0-877E7D1D66CC}" type="datetime1">
               <a:rPr lang="zh-TW" altLang="en-US" smtClean="0"/>
               <a:pPr/>
-              <a:t>2020/4/24</a:t>
+              <a:t>2020/4/25</a:t>
             </a:fld>
             <a:endParaRPr lang="zh-TW" altLang="en-US"/>
           </a:p>
@@ -2618,7 +2618,7 @@
             <a:fld id="{E88D17E6-02BD-4944-B9FE-7BFCCBF83D48}" type="datetime1">
               <a:rPr lang="zh-TW" altLang="en-US" smtClean="0"/>
               <a:pPr/>
-              <a:t>2020/4/24</a:t>
+              <a:t>2020/4/25</a:t>
             </a:fld>
             <a:endParaRPr lang="zh-TW" altLang="en-US"/>
           </a:p>
@@ -2867,7 +2867,7 @@
             <a:fld id="{3C13E23D-1FEF-4D78-A3A3-3D6F2BB31954}" type="datetime1">
               <a:rPr lang="zh-TW" altLang="en-US" smtClean="0"/>
               <a:pPr/>
-              <a:t>2020/4/24</a:t>
+              <a:t>2020/4/25</a:t>
             </a:fld>
             <a:endParaRPr lang="zh-TW" altLang="en-US"/>
           </a:p>
@@ -3075,7 +3075,7 @@
             <a:fld id="{06197F35-AD6F-4594-8B50-334492D2E7E8}" type="datetime1">
               <a:rPr lang="zh-TW" altLang="en-US" smtClean="0"/>
               <a:pPr/>
-              <a:t>2020/4/24</a:t>
+              <a:t>2020/4/25</a:t>
             </a:fld>
             <a:endParaRPr lang="zh-TW" altLang="en-US"/>
           </a:p>
@@ -3536,7 +3536,7 @@
             <a:fld id="{C389EDC9-19E3-47AC-9C57-C6A24DEA81AD}" type="datetime1">
               <a:rPr lang="zh-TW" altLang="en-US" smtClean="0"/>
               <a:pPr/>
-              <a:t>2020/4/24</a:t>
+              <a:t>2020/4/25</a:t>
             </a:fld>
             <a:endParaRPr lang="zh-TW" altLang="en-US"/>
           </a:p>
@@ -3937,7 +3937,7 @@
             <a:fld id="{A4F910E6-8D00-4BAF-8C48-9688E0B449D3}" type="datetime1">
               <a:rPr lang="zh-TW" altLang="en-US" smtClean="0"/>
               <a:pPr/>
-              <a:t>2020/4/24</a:t>
+              <a:t>2020/4/25</a:t>
             </a:fld>
             <a:endParaRPr lang="zh-TW" altLang="en-US"/>
           </a:p>
@@ -4808,7 +4808,7 @@
             <a:fld id="{A4F910E6-8D00-4BAF-8C48-9688E0B449D3}" type="datetime1">
               <a:rPr lang="zh-TW" altLang="en-US" smtClean="0"/>
               <a:pPr/>
-              <a:t>2020/4/24</a:t>
+              <a:t>2020/4/25</a:t>
             </a:fld>
             <a:endParaRPr lang="zh-TW" altLang="en-US"/>
           </a:p>
@@ -5519,7 +5519,7 @@
             <a:fld id="{A4F910E6-8D00-4BAF-8C48-9688E0B449D3}" type="datetime1">
               <a:rPr lang="zh-TW" altLang="en-US" smtClean="0"/>
               <a:pPr/>
-              <a:t>2020/4/24</a:t>
+              <a:t>2020/4/25</a:t>
             </a:fld>
             <a:endParaRPr lang="zh-TW" altLang="en-US"/>
           </a:p>
@@ -6271,7 +6271,7 @@
             <a:fld id="{A4F910E6-8D00-4BAF-8C48-9688E0B449D3}" type="datetime1">
               <a:rPr lang="zh-TW" altLang="en-US" smtClean="0"/>
               <a:pPr/>
-              <a:t>2020/4/24</a:t>
+              <a:t>2020/4/25</a:t>
             </a:fld>
             <a:endParaRPr lang="zh-TW" altLang="en-US"/>
           </a:p>
@@ -6763,7 +6763,7 @@
             <a:fld id="{A4F910E6-8D00-4BAF-8C48-9688E0B449D3}" type="datetime1">
               <a:rPr lang="zh-TW" altLang="en-US" smtClean="0"/>
               <a:pPr/>
-              <a:t>2020/4/24</a:t>
+              <a:t>2020/4/25</a:t>
             </a:fld>
             <a:endParaRPr lang="zh-TW" altLang="en-US"/>
           </a:p>
@@ -7023,7 +7023,7 @@
             <a:fld id="{C389EDC9-19E3-47AC-9C57-C6A24DEA81AD}" type="datetime1">
               <a:rPr lang="zh-TW" altLang="en-US" smtClean="0"/>
               <a:pPr/>
-              <a:t>2020/4/24</a:t>
+              <a:t>2020/4/25</a:t>
             </a:fld>
             <a:endParaRPr lang="zh-TW" altLang="en-US"/>
           </a:p>
@@ -7364,7 +7364,7 @@
             <a:fld id="{A4F910E6-8D00-4BAF-8C48-9688E0B449D3}" type="datetime1">
               <a:rPr lang="zh-TW" altLang="en-US" smtClean="0"/>
               <a:pPr/>
-              <a:t>2020/4/24</a:t>
+              <a:t>2020/4/25</a:t>
             </a:fld>
             <a:endParaRPr lang="zh-TW" altLang="en-US"/>
           </a:p>
@@ -8372,7 +8372,7 @@
             <a:fld id="{A4F910E6-8D00-4BAF-8C48-9688E0B449D3}" type="datetime1">
               <a:rPr lang="zh-TW" altLang="en-US" smtClean="0"/>
               <a:pPr/>
-              <a:t>2020/4/24</a:t>
+              <a:t>2020/4/25</a:t>
             </a:fld>
             <a:endParaRPr lang="zh-TW" altLang="en-US"/>
           </a:p>
@@ -9120,7 +9120,7 @@
             <a:fld id="{A4F910E6-8D00-4BAF-8C48-9688E0B449D3}" type="datetime1">
               <a:rPr lang="zh-TW" altLang="en-US" smtClean="0"/>
               <a:pPr/>
-              <a:t>2020/4/24</a:t>
+              <a:t>2020/4/25</a:t>
             </a:fld>
             <a:endParaRPr lang="zh-TW" altLang="en-US"/>
           </a:p>
@@ -9498,10 +9498,10 @@
       </p:sp>
       <p:pic>
         <p:nvPicPr>
-          <p:cNvPr id="31" name="Picture 30">
+          <p:cNvPr id="7" name="Picture 6">
             <a:extLst>
               <a:ext uri="{FF2B5EF4-FFF2-40B4-BE49-F238E27FC236}">
-                <a16:creationId xmlns:a16="http://schemas.microsoft.com/office/drawing/2014/main" id="{FF25ED1B-3631-4B51-B36A-8F9157D07314}"/>
+                <a16:creationId xmlns:a16="http://schemas.microsoft.com/office/drawing/2014/main" id="{229F8DD9-A1C2-4B92-8321-F82B04D30FBD}"/>
               </a:ext>
             </a:extLst>
           </p:cNvPr>
@@ -9518,8 +9518,8 @@
         </p:blipFill>
         <p:spPr>
           <a:xfrm>
-            <a:off x="1403648" y="2868868"/>
-            <a:ext cx="5429250" cy="1190625"/>
+            <a:off x="1331640" y="2824162"/>
+            <a:ext cx="5448300" cy="1209675"/>
           </a:xfrm>
           <a:prstGeom prst="rect">
             <a:avLst/>
@@ -9682,23 +9682,17 @@
                 <a:srgbClr val="0070C0"/>
               </a:buClr>
               <a:buSzPct val="80000"/>
-              <a:buFont typeface="+mj-lt"/>
-              <a:buAutoNum type="arabicPeriod" startAt="2"/>
+              <a:buFont typeface="Wingdings" pitchFamily="2" charset="2"/>
+              <a:buChar char="u"/>
             </a:pPr>
             <a:r>
-              <a:rPr lang="en-US" sz="1800" dirty="0">
+              <a:rPr lang="en-US" sz="1800" b="1" dirty="0">
                 <a:solidFill>
                   <a:schemeClr val="tx1"/>
                 </a:solidFill>
               </a:rPr>
-              <a:t>View the Service you just created.</a:t>
-            </a:r>
-            <a:endParaRPr lang="en-US" altLang="en-US" sz="1800" dirty="0">
-              <a:solidFill>
-                <a:schemeClr val="tx1"/>
-              </a:solidFill>
-              <a:latin typeface="Roboto"/>
-            </a:endParaRPr>
+              <a:t>This site can’t be reached</a:t>
+            </a:r>
           </a:p>
         </p:txBody>
       </p:sp>
@@ -9797,7 +9791,7 @@
             <a:fld id="{A4F910E6-8D00-4BAF-8C48-9688E0B449D3}" type="datetime1">
               <a:rPr lang="zh-TW" altLang="en-US" smtClean="0"/>
               <a:pPr/>
-              <a:t>2020/4/24</a:t>
+              <a:t>2020/4/25</a:t>
             </a:fld>
             <a:endParaRPr lang="zh-TW" altLang="en-US"/>
           </a:p>
@@ -9822,6 +9816,704 @@
               <a:rPr lang="zh-TW" altLang="en-US" smtClean="0"/>
               <a:pPr/>
               <a:t>19</a:t>
+            </a:fld>
+            <a:endParaRPr lang="zh-TW" altLang="en-US"/>
+          </a:p>
+        </p:txBody>
+      </p:sp>
+      <p:sp>
+        <p:nvSpPr>
+          <p:cNvPr id="8" name="Rectangle 2">
+            <a:extLst>
+              <a:ext uri="{FF2B5EF4-FFF2-40B4-BE49-F238E27FC236}">
+                <a16:creationId xmlns:a16="http://schemas.microsoft.com/office/drawing/2014/main" id="{CE04BFC2-17A5-4D88-AB75-09117EFFD5AB}"/>
+              </a:ext>
+            </a:extLst>
+          </p:cNvPr>
+          <p:cNvSpPr>
+            <a:spLocks noChangeArrowheads="1"/>
+          </p:cNvSpPr>
+          <p:nvPr/>
+        </p:nvSpPr>
+        <p:spPr bwMode="auto">
+          <a:xfrm>
+            <a:off x="0" y="-46166"/>
+            <a:ext cx="9144000" cy="92333"/>
+          </a:xfrm>
+          <a:prstGeom prst="rect">
+            <a:avLst/>
+          </a:prstGeom>
+          <a:noFill/>
+          <a:ln>
+            <a:noFill/>
+          </a:ln>
+          <a:effectLst/>
+          <a:extLst>
+            <a:ext uri="{909E8E84-426E-40DD-AFC4-6F175D3DCCD1}">
+              <a14:hiddenFill xmlns:a14="http://schemas.microsoft.com/office/drawing/2010/main">
+                <a:solidFill>
+                  <a:schemeClr val="accent1"/>
+                </a:solidFill>
+              </a14:hiddenFill>
+            </a:ext>
+            <a:ext uri="{91240B29-F687-4F45-9708-019B960494DF}">
+              <a14:hiddenLine xmlns:a14="http://schemas.microsoft.com/office/drawing/2010/main" w="9525">
+                <a:solidFill>
+                  <a:schemeClr val="tx1"/>
+                </a:solidFill>
+                <a:miter lim="800000"/>
+                <a:headEnd/>
+                <a:tailEnd/>
+              </a14:hiddenLine>
+            </a:ext>
+            <a:ext uri="{AF507438-7753-43E0-B8FC-AC1667EBCBE1}">
+              <a14:hiddenEffects xmlns:a14="http://schemas.microsoft.com/office/drawing/2010/main">
+                <a:effectLst>
+                  <a:outerShdw dist="35921" dir="2700000" algn="ctr" rotWithShape="0">
+                    <a:schemeClr val="bg2"/>
+                  </a:outerShdw>
+                </a:effectLst>
+              </a14:hiddenEffects>
+            </a:ext>
+          </a:extLst>
+        </p:spPr>
+        <p:txBody>
+          <a:bodyPr vert="horz" wrap="square" lIns="0" tIns="0" rIns="0" bIns="0" numCol="1" anchor="ctr" anchorCtr="0" compatLnSpc="1">
+            <a:prstTxWarp prst="textNoShape">
+              <a:avLst/>
+            </a:prstTxWarp>
+            <a:spAutoFit/>
+          </a:bodyPr>
+          <a:lstStyle/>
+          <a:p>
+            <a:pPr marL="0" marR="0" lvl="0" indent="0" algn="l" defTabSz="914400" rtl="0" eaLnBrk="0" fontAlgn="base" latinLnBrk="0" hangingPunct="0">
+              <a:lnSpc>
+                <a:spcPct val="100000"/>
+              </a:lnSpc>
+              <a:spcBef>
+                <a:spcPct val="0"/>
+              </a:spcBef>
+              <a:spcAft>
+                <a:spcPct val="0"/>
+              </a:spcAft>
+              <a:buClrTx/>
+              <a:buSzTx/>
+              <a:buFontTx/>
+              <a:buNone/>
+              <a:tabLst/>
+            </a:pPr>
+            <a:r>
+              <a:rPr kumimoji="0" lang="en-US" altLang="en-US" sz="600" b="0" i="0" u="none" strike="noStrike" cap="none" normalizeH="0" baseline="0" dirty="0">
+                <a:ln>
+                  <a:noFill/>
+                </a:ln>
+                <a:solidFill>
+                  <a:schemeClr val="tx1"/>
+                </a:solidFill>
+                <a:effectLst/>
+              </a:rPr>
+              <a:t> </a:t>
+            </a:r>
+            <a:endParaRPr kumimoji="0" lang="en-US" altLang="en-US" sz="1800" b="0" i="0" u="none" strike="noStrike" cap="none" normalizeH="0" baseline="0" dirty="0">
+              <a:ln>
+                <a:noFill/>
+              </a:ln>
+              <a:solidFill>
+                <a:schemeClr val="tx1"/>
+              </a:solidFill>
+              <a:effectLst/>
+              <a:latin typeface="Arial" panose="020B0604020202020204" pitchFamily="34" charset="0"/>
+            </a:endParaRPr>
+          </a:p>
+        </p:txBody>
+      </p:sp>
+      <p:pic>
+        <p:nvPicPr>
+          <p:cNvPr id="7" name="Picture 6">
+            <a:extLst>
+              <a:ext uri="{FF2B5EF4-FFF2-40B4-BE49-F238E27FC236}">
+                <a16:creationId xmlns:a16="http://schemas.microsoft.com/office/drawing/2014/main" id="{FFF32257-B97F-4E04-A36E-EFD0752DD4D9}"/>
+              </a:ext>
+            </a:extLst>
+          </p:cNvPr>
+          <p:cNvPicPr>
+            <a:picLocks noChangeAspect="1"/>
+          </p:cNvPicPr>
+          <p:nvPr/>
+        </p:nvPicPr>
+        <p:blipFill>
+          <a:blip r:embed="rId3"/>
+          <a:stretch>
+            <a:fillRect/>
+          </a:stretch>
+        </p:blipFill>
+        <p:spPr>
+          <a:xfrm>
+            <a:off x="1546430" y="2318852"/>
+            <a:ext cx="5988347" cy="4220060"/>
+          </a:xfrm>
+          <a:prstGeom prst="rect">
+            <a:avLst/>
+          </a:prstGeom>
+          <a:ln>
+            <a:solidFill>
+              <a:srgbClr val="C00000"/>
+            </a:solidFill>
+          </a:ln>
+        </p:spPr>
+      </p:pic>
+    </p:spTree>
+    <p:extLst>
+      <p:ext uri="{BB962C8B-B14F-4D97-AF65-F5344CB8AC3E}">
+        <p14:creationId xmlns:p14="http://schemas.microsoft.com/office/powerpoint/2010/main" val="1354452004"/>
+      </p:ext>
+    </p:extLst>
+  </p:cSld>
+  <p:clrMapOvr>
+    <a:masterClrMapping/>
+  </p:clrMapOvr>
+</p:sld>
+</file>
+
+<file path=ppt/slides/slide2.xml><?xml version="1.0" encoding="utf-8"?>
+<p:sld xmlns:a="http://schemas.openxmlformats.org/drawingml/2006/main" xmlns:r="http://schemas.openxmlformats.org/officeDocument/2006/relationships" xmlns:p="http://schemas.openxmlformats.org/presentationml/2006/main">
+  <p:cSld>
+    <p:spTree>
+      <p:nvGrpSpPr>
+        <p:cNvPr id="1" name=""/>
+        <p:cNvGrpSpPr/>
+        <p:nvPr/>
+      </p:nvGrpSpPr>
+      <p:grpSpPr>
+        <a:xfrm>
+          <a:off x="0" y="0"/>
+          <a:ext cx="0" cy="0"/>
+          <a:chOff x="0" y="0"/>
+          <a:chExt cx="0" cy="0"/>
+        </a:xfrm>
+      </p:grpSpPr>
+      <p:sp>
+        <p:nvSpPr>
+          <p:cNvPr id="2" name="標題 1"/>
+          <p:cNvSpPr>
+            <a:spLocks noGrp="1"/>
+          </p:cNvSpPr>
+          <p:nvPr>
+            <p:ph type="ctrTitle"/>
+          </p:nvPr>
+        </p:nvSpPr>
+        <p:spPr>
+          <a:xfrm>
+            <a:off x="0" y="1"/>
+            <a:ext cx="9144000" cy="764704"/>
+          </a:xfrm>
+          <a:gradFill flip="none" rotWithShape="1">
+            <a:gsLst>
+              <a:gs pos="0">
+                <a:srgbClr val="C00000">
+                  <a:shade val="30000"/>
+                  <a:satMod val="115000"/>
+                </a:srgbClr>
+              </a:gs>
+              <a:gs pos="50000">
+                <a:srgbClr val="C00000">
+                  <a:shade val="67500"/>
+                  <a:satMod val="115000"/>
+                </a:srgbClr>
+              </a:gs>
+              <a:gs pos="100000">
+                <a:srgbClr val="C00000">
+                  <a:shade val="100000"/>
+                  <a:satMod val="115000"/>
+                </a:srgbClr>
+              </a:gs>
+            </a:gsLst>
+            <a:path path="circle">
+              <a:fillToRect t="100000" r="100000"/>
+            </a:path>
+            <a:tileRect l="-100000" b="-100000"/>
+          </a:gradFill>
+        </p:spPr>
+        <p:txBody>
+          <a:bodyPr>
+            <a:normAutofit/>
+          </a:bodyPr>
+          <a:lstStyle/>
+          <a:p>
+            <a:pPr algn="l"/>
+            <a:r>
+              <a:rPr lang="en-US" altLang="zh-TW" b="1" dirty="0">
+                <a:solidFill>
+                  <a:srgbClr val="FFFF00"/>
+                </a:solidFill>
+              </a:rPr>
+              <a:t>6 Hello World</a:t>
+            </a:r>
+            <a:endParaRPr lang="zh-TW" altLang="en-US" b="1" dirty="0">
+              <a:solidFill>
+                <a:srgbClr val="FFFF00"/>
+              </a:solidFill>
+            </a:endParaRPr>
+          </a:p>
+        </p:txBody>
+      </p:sp>
+      <p:sp>
+        <p:nvSpPr>
+          <p:cNvPr id="3" name="副標題 2"/>
+          <p:cNvSpPr>
+            <a:spLocks noGrp="1"/>
+          </p:cNvSpPr>
+          <p:nvPr>
+            <p:ph type="subTitle" idx="1"/>
+          </p:nvPr>
+        </p:nvSpPr>
+        <p:spPr>
+          <a:xfrm>
+            <a:off x="467544" y="1268760"/>
+            <a:ext cx="8352928" cy="360040"/>
+          </a:xfrm>
+          <a:ln>
+            <a:solidFill>
+              <a:srgbClr val="C00000"/>
+            </a:solidFill>
+          </a:ln>
+        </p:spPr>
+        <p:txBody>
+          <a:bodyPr>
+            <a:noAutofit/>
+          </a:bodyPr>
+          <a:lstStyle/>
+          <a:p>
+            <a:pPr marL="342900" indent="-342900" algn="l">
+              <a:buClr>
+                <a:srgbClr val="0070C0"/>
+              </a:buClr>
+              <a:buSzPct val="80000"/>
+              <a:buFont typeface="Wingdings" pitchFamily="2" charset="2"/>
+              <a:buChar char="u"/>
+            </a:pPr>
+            <a:r>
+              <a:rPr lang="en-US" altLang="zh-TW" sz="1800" dirty="0">
+                <a:solidFill>
+                  <a:schemeClr val="tx1"/>
+                </a:solidFill>
+              </a:rPr>
+              <a:t>Deploy Hello World</a:t>
+            </a:r>
+          </a:p>
+        </p:txBody>
+      </p:sp>
+      <p:sp>
+        <p:nvSpPr>
+          <p:cNvPr id="4" name="標題 1"/>
+          <p:cNvSpPr txBox="1">
+            <a:spLocks/>
+          </p:cNvSpPr>
+          <p:nvPr/>
+        </p:nvSpPr>
+        <p:spPr>
+          <a:xfrm>
+            <a:off x="0" y="764704"/>
+            <a:ext cx="9144000" cy="360040"/>
+          </a:xfrm>
+          <a:prstGeom prst="rect">
+            <a:avLst/>
+          </a:prstGeom>
+          <a:gradFill flip="none" rotWithShape="1">
+            <a:gsLst>
+              <a:gs pos="0">
+                <a:srgbClr val="00B0F0">
+                  <a:shade val="30000"/>
+                  <a:satMod val="115000"/>
+                </a:srgbClr>
+              </a:gs>
+              <a:gs pos="50000">
+                <a:srgbClr val="00B0F0">
+                  <a:shade val="67500"/>
+                  <a:satMod val="115000"/>
+                </a:srgbClr>
+              </a:gs>
+              <a:gs pos="100000">
+                <a:srgbClr val="00B0F0">
+                  <a:shade val="100000"/>
+                  <a:satMod val="115000"/>
+                </a:srgbClr>
+              </a:gs>
+            </a:gsLst>
+            <a:path path="circle">
+              <a:fillToRect t="100000" r="100000"/>
+            </a:path>
+            <a:tileRect l="-100000" b="-100000"/>
+          </a:gradFill>
+        </p:spPr>
+        <p:txBody>
+          <a:bodyPr vert="horz" lIns="91440" tIns="45720" rIns="91440" bIns="45720" rtlCol="0" anchor="ctr">
+            <a:normAutofit/>
+          </a:bodyPr>
+          <a:lstStyle/>
+          <a:p>
+            <a:pPr lvl="0">
+              <a:spcBef>
+                <a:spcPct val="0"/>
+              </a:spcBef>
+            </a:pPr>
+            <a:r>
+              <a:rPr lang="en-US" sz="1600">
+                <a:hlinkClick r:id="rId2"/>
+              </a:rPr>
+              <a:t>https://kubernetes.io/docs/tutorials/hello-minikube/</a:t>
+            </a:r>
+            <a:endParaRPr kumimoji="0" lang="zh-TW" altLang="en-US" sz="1600" b="0" i="0" u="none" strike="noStrike" kern="1200" cap="none" spc="0" normalizeH="0" baseline="0" noProof="0" dirty="0">
+              <a:ln>
+                <a:noFill/>
+              </a:ln>
+              <a:solidFill>
+                <a:schemeClr val="tx1"/>
+              </a:solidFill>
+              <a:effectLst/>
+              <a:uLnTx/>
+              <a:uFillTx/>
+              <a:latin typeface="+mj-lt"/>
+              <a:ea typeface="+mj-ea"/>
+              <a:cs typeface="+mj-cs"/>
+            </a:endParaRPr>
+          </a:p>
+        </p:txBody>
+      </p:sp>
+      <p:sp>
+        <p:nvSpPr>
+          <p:cNvPr id="5" name="日期版面配置區 4"/>
+          <p:cNvSpPr>
+            <a:spLocks noGrp="1"/>
+          </p:cNvSpPr>
+          <p:nvPr>
+            <p:ph type="dt" sz="half" idx="10"/>
+          </p:nvPr>
+        </p:nvSpPr>
+        <p:spPr/>
+        <p:txBody>
+          <a:bodyPr/>
+          <a:lstStyle/>
+          <a:p>
+            <a:fld id="{A4F910E6-8D00-4BAF-8C48-9688E0B449D3}" type="datetime1">
+              <a:rPr lang="zh-TW" altLang="en-US" smtClean="0"/>
+              <a:pPr/>
+              <a:t>2020/4/25</a:t>
+            </a:fld>
+            <a:endParaRPr lang="zh-TW" altLang="en-US"/>
+          </a:p>
+        </p:txBody>
+      </p:sp>
+      <p:sp>
+        <p:nvSpPr>
+          <p:cNvPr id="6" name="投影片編號版面配置區 5"/>
+          <p:cNvSpPr>
+            <a:spLocks noGrp="1"/>
+          </p:cNvSpPr>
+          <p:nvPr>
+            <p:ph type="sldNum" sz="quarter" idx="12"/>
+          </p:nvPr>
+        </p:nvSpPr>
+        <p:spPr/>
+        <p:txBody>
+          <a:bodyPr/>
+          <a:lstStyle/>
+          <a:p>
+            <a:fld id="{E4D7E63D-91F2-4366-A2C4-1B00C9E2590E}" type="slidenum">
+              <a:rPr lang="zh-TW" altLang="en-US" smtClean="0"/>
+              <a:pPr/>
+              <a:t>2</a:t>
+            </a:fld>
+            <a:endParaRPr lang="zh-TW" altLang="en-US"/>
+          </a:p>
+        </p:txBody>
+      </p:sp>
+    </p:spTree>
+  </p:cSld>
+  <p:clrMapOvr>
+    <a:masterClrMapping/>
+  </p:clrMapOvr>
+</p:sld>
+</file>
+
+<file path=ppt/slides/slide20.xml><?xml version="1.0" encoding="utf-8"?>
+<p:sld xmlns:a="http://schemas.openxmlformats.org/drawingml/2006/main" xmlns:r="http://schemas.openxmlformats.org/officeDocument/2006/relationships" xmlns:p="http://schemas.openxmlformats.org/presentationml/2006/main">
+  <p:cSld>
+    <p:bg>
+      <p:bgPr>
+        <a:noFill/>
+        <a:effectLst/>
+      </p:bgPr>
+    </p:bg>
+    <p:spTree>
+      <p:nvGrpSpPr>
+        <p:cNvPr id="1" name=""/>
+        <p:cNvGrpSpPr/>
+        <p:nvPr/>
+      </p:nvGrpSpPr>
+      <p:grpSpPr>
+        <a:xfrm>
+          <a:off x="0" y="0"/>
+          <a:ext cx="0" cy="0"/>
+          <a:chOff x="0" y="0"/>
+          <a:chExt cx="0" cy="0"/>
+        </a:xfrm>
+      </p:grpSpPr>
+      <p:sp>
+        <p:nvSpPr>
+          <p:cNvPr id="2" name="標題 1"/>
+          <p:cNvSpPr>
+            <a:spLocks noGrp="1"/>
+          </p:cNvSpPr>
+          <p:nvPr>
+            <p:ph type="ctrTitle"/>
+          </p:nvPr>
+        </p:nvSpPr>
+        <p:spPr>
+          <a:xfrm>
+            <a:off x="0" y="1"/>
+            <a:ext cx="9144000" cy="764704"/>
+          </a:xfrm>
+          <a:gradFill flip="none" rotWithShape="1">
+            <a:gsLst>
+              <a:gs pos="0">
+                <a:srgbClr val="C00000">
+                  <a:shade val="30000"/>
+                  <a:satMod val="115000"/>
+                </a:srgbClr>
+              </a:gs>
+              <a:gs pos="50000">
+                <a:srgbClr val="C00000">
+                  <a:shade val="67500"/>
+                  <a:satMod val="115000"/>
+                </a:srgbClr>
+              </a:gs>
+              <a:gs pos="100000">
+                <a:srgbClr val="C00000">
+                  <a:shade val="100000"/>
+                  <a:satMod val="115000"/>
+                </a:srgbClr>
+              </a:gs>
+            </a:gsLst>
+            <a:path path="circle">
+              <a:fillToRect t="100000" r="100000"/>
+            </a:path>
+            <a:tileRect l="-100000" b="-100000"/>
+          </a:gradFill>
+        </p:spPr>
+        <p:txBody>
+          <a:bodyPr>
+            <a:normAutofit/>
+          </a:bodyPr>
+          <a:lstStyle/>
+          <a:p>
+            <a:pPr algn="l"/>
+            <a:r>
+              <a:rPr lang="en-US" altLang="zh-TW" b="1" dirty="0">
+                <a:solidFill>
+                  <a:srgbClr val="FFFF00"/>
+                </a:solidFill>
+              </a:rPr>
+              <a:t>6.4 Create a Service</a:t>
+            </a:r>
+            <a:endParaRPr lang="zh-TW" altLang="en-US" b="1" dirty="0">
+              <a:solidFill>
+                <a:srgbClr val="FFFF00"/>
+              </a:solidFill>
+            </a:endParaRPr>
+          </a:p>
+        </p:txBody>
+      </p:sp>
+      <p:sp>
+        <p:nvSpPr>
+          <p:cNvPr id="3" name="副標題 2"/>
+          <p:cNvSpPr>
+            <a:spLocks noGrp="1"/>
+          </p:cNvSpPr>
+          <p:nvPr>
+            <p:ph type="subTitle" idx="1"/>
+          </p:nvPr>
+        </p:nvSpPr>
+        <p:spPr>
+          <a:xfrm>
+            <a:off x="467544" y="1268759"/>
+            <a:ext cx="8352928" cy="741312"/>
+          </a:xfrm>
+          <a:ln>
+            <a:solidFill>
+              <a:srgbClr val="C00000"/>
+            </a:solidFill>
+          </a:ln>
+        </p:spPr>
+        <p:txBody>
+          <a:bodyPr>
+            <a:noAutofit/>
+          </a:bodyPr>
+          <a:lstStyle/>
+          <a:p>
+            <a:pPr marL="342900" indent="-342900" algn="l">
+              <a:buClr>
+                <a:srgbClr val="0070C0"/>
+              </a:buClr>
+              <a:buSzPct val="80000"/>
+              <a:buFont typeface="Wingdings" pitchFamily="2" charset="2"/>
+              <a:buChar char="u"/>
+            </a:pPr>
+            <a:r>
+              <a:rPr lang="en-US" sz="1800" b="1" dirty="0">
+                <a:solidFill>
+                  <a:schemeClr val="tx1"/>
+                </a:solidFill>
+              </a:rPr>
+              <a:t>Create a Service</a:t>
+            </a:r>
+          </a:p>
+          <a:p>
+            <a:pPr marL="342900" indent="-342900" algn="l">
+              <a:buClr>
+                <a:srgbClr val="0070C0"/>
+              </a:buClr>
+              <a:buSzPct val="80000"/>
+              <a:buFont typeface="+mj-lt"/>
+              <a:buAutoNum type="arabicPeriod" startAt="2"/>
+            </a:pPr>
+            <a:r>
+              <a:rPr lang="en-US" sz="1800" dirty="0">
+                <a:solidFill>
+                  <a:schemeClr val="tx1"/>
+                </a:solidFill>
+              </a:rPr>
+              <a:t>View the Service you just created.</a:t>
+            </a:r>
+            <a:endParaRPr lang="en-US" altLang="en-US" sz="1800" dirty="0">
+              <a:solidFill>
+                <a:schemeClr val="tx1"/>
+              </a:solidFill>
+              <a:latin typeface="Roboto"/>
+            </a:endParaRPr>
+          </a:p>
+        </p:txBody>
+      </p:sp>
+      <p:sp>
+        <p:nvSpPr>
+          <p:cNvPr id="4" name="標題 1"/>
+          <p:cNvSpPr txBox="1">
+            <a:spLocks/>
+          </p:cNvSpPr>
+          <p:nvPr/>
+        </p:nvSpPr>
+        <p:spPr>
+          <a:xfrm>
+            <a:off x="0" y="764704"/>
+            <a:ext cx="9144000" cy="360040"/>
+          </a:xfrm>
+          <a:prstGeom prst="rect">
+            <a:avLst/>
+          </a:prstGeom>
+          <a:gradFill flip="none" rotWithShape="1">
+            <a:gsLst>
+              <a:gs pos="0">
+                <a:srgbClr val="00B0F0">
+                  <a:shade val="30000"/>
+                  <a:satMod val="115000"/>
+                </a:srgbClr>
+              </a:gs>
+              <a:gs pos="50000">
+                <a:srgbClr val="00B0F0">
+                  <a:shade val="67500"/>
+                  <a:satMod val="115000"/>
+                </a:srgbClr>
+              </a:gs>
+              <a:gs pos="100000">
+                <a:srgbClr val="00B0F0">
+                  <a:shade val="100000"/>
+                  <a:satMod val="115000"/>
+                </a:srgbClr>
+              </a:gs>
+            </a:gsLst>
+            <a:path path="circle">
+              <a:fillToRect t="100000" r="100000"/>
+            </a:path>
+            <a:tileRect l="-100000" b="-100000"/>
+          </a:gradFill>
+        </p:spPr>
+        <p:txBody>
+          <a:bodyPr vert="horz" lIns="91440" tIns="45720" rIns="91440" bIns="45720" rtlCol="0" anchor="ctr">
+            <a:normAutofit/>
+          </a:bodyPr>
+          <a:lstStyle/>
+          <a:p>
+            <a:pPr lvl="0">
+              <a:spcBef>
+                <a:spcPct val="0"/>
+              </a:spcBef>
+            </a:pPr>
+            <a:r>
+              <a:rPr lang="en-US" sz="1600" dirty="0">
+                <a:hlinkClick r:id="rId2"/>
+              </a:rPr>
+              <a:t>https://kubernetes.io/docs/tutorials/hello-minikube/</a:t>
+            </a:r>
+            <a:endParaRPr kumimoji="0" lang="zh-TW" altLang="en-US" sz="1600" b="0" i="0" u="none" strike="noStrike" kern="1200" cap="none" spc="0" normalizeH="0" baseline="0" noProof="0" dirty="0">
+              <a:ln>
+                <a:noFill/>
+              </a:ln>
+              <a:solidFill>
+                <a:schemeClr val="tx1"/>
+              </a:solidFill>
+              <a:effectLst/>
+              <a:uLnTx/>
+              <a:uFillTx/>
+              <a:latin typeface="+mj-lt"/>
+              <a:ea typeface="+mj-ea"/>
+              <a:cs typeface="+mj-cs"/>
+            </a:endParaRPr>
+          </a:p>
+        </p:txBody>
+      </p:sp>
+      <p:sp>
+        <p:nvSpPr>
+          <p:cNvPr id="5" name="日期版面配置區 4"/>
+          <p:cNvSpPr>
+            <a:spLocks noGrp="1"/>
+          </p:cNvSpPr>
+          <p:nvPr>
+            <p:ph type="dt" sz="half" idx="10"/>
+          </p:nvPr>
+        </p:nvSpPr>
+        <p:spPr/>
+        <p:txBody>
+          <a:bodyPr/>
+          <a:lstStyle/>
+          <a:p>
+            <a:fld id="{A4F910E6-8D00-4BAF-8C48-9688E0B449D3}" type="datetime1">
+              <a:rPr lang="zh-TW" altLang="en-US" smtClean="0"/>
+              <a:pPr/>
+              <a:t>2020/4/25</a:t>
+            </a:fld>
+            <a:endParaRPr lang="zh-TW" altLang="en-US"/>
+          </a:p>
+        </p:txBody>
+      </p:sp>
+      <p:sp>
+        <p:nvSpPr>
+          <p:cNvPr id="6" name="投影片編號版面配置區 5"/>
+          <p:cNvSpPr>
+            <a:spLocks noGrp="1"/>
+          </p:cNvSpPr>
+          <p:nvPr>
+            <p:ph type="sldNum" sz="quarter" idx="12"/>
+          </p:nvPr>
+        </p:nvSpPr>
+        <p:spPr/>
+        <p:txBody>
+          <a:bodyPr/>
+          <a:lstStyle/>
+          <a:p>
+            <a:fld id="{E4D7E63D-91F2-4366-A2C4-1B00C9E2590E}" type="slidenum">
+              <a:rPr lang="zh-TW" altLang="en-US" smtClean="0"/>
+              <a:pPr/>
+              <a:t>20</a:t>
             </a:fld>
             <a:endParaRPr lang="zh-TW" altLang="en-US"/>
           </a:p>
@@ -10513,27 +11205,8 @@
                 </a:solidFill>
                 <a:latin typeface="+mj-lt"/>
               </a:rPr>
-              <a:t>This opens up a browser window that serves your app and shows the “Hello World” message. </a:t>
-            </a:r>
-            <a:r>
-              <a:rPr lang="en-US" altLang="en-US" sz="1800" b="1" dirty="0">
-                <a:solidFill>
-                  <a:srgbClr val="C00000"/>
-                </a:solidFill>
-                <a:latin typeface="+mj-lt"/>
-              </a:rPr>
-              <a:t>It does not work????</a:t>
-            </a:r>
-          </a:p>
-          <a:p>
-            <a:pPr lvl="0" algn="l" eaLnBrk="0" fontAlgn="base" hangingPunct="0">
-              <a:spcBef>
-                <a:spcPct val="0"/>
-              </a:spcBef>
-              <a:spcAft>
-                <a:spcPct val="0"/>
-              </a:spcAft>
-            </a:pPr>
+              <a:t>This opens up a browser window that serves your app and shows the “Hello World” message.</a:t>
+            </a:r>
             <a:br>
               <a:rPr lang="en-US" altLang="en-US" sz="1800" dirty="0">
                 <a:solidFill>
@@ -10571,711 +11244,6 @@
     <p:extLst>
       <p:ext uri="{BB962C8B-B14F-4D97-AF65-F5344CB8AC3E}">
         <p14:creationId xmlns:p14="http://schemas.microsoft.com/office/powerpoint/2010/main" val="1106751076"/>
-      </p:ext>
-    </p:extLst>
-  </p:cSld>
-  <p:clrMapOvr>
-    <a:masterClrMapping/>
-  </p:clrMapOvr>
-</p:sld>
-</file>
-
-<file path=ppt/slides/slide2.xml><?xml version="1.0" encoding="utf-8"?>
-<p:sld xmlns:a="http://schemas.openxmlformats.org/drawingml/2006/main" xmlns:r="http://schemas.openxmlformats.org/officeDocument/2006/relationships" xmlns:p="http://schemas.openxmlformats.org/presentationml/2006/main">
-  <p:cSld>
-    <p:spTree>
-      <p:nvGrpSpPr>
-        <p:cNvPr id="1" name=""/>
-        <p:cNvGrpSpPr/>
-        <p:nvPr/>
-      </p:nvGrpSpPr>
-      <p:grpSpPr>
-        <a:xfrm>
-          <a:off x="0" y="0"/>
-          <a:ext cx="0" cy="0"/>
-          <a:chOff x="0" y="0"/>
-          <a:chExt cx="0" cy="0"/>
-        </a:xfrm>
-      </p:grpSpPr>
-      <p:sp>
-        <p:nvSpPr>
-          <p:cNvPr id="2" name="標題 1"/>
-          <p:cNvSpPr>
-            <a:spLocks noGrp="1"/>
-          </p:cNvSpPr>
-          <p:nvPr>
-            <p:ph type="ctrTitle"/>
-          </p:nvPr>
-        </p:nvSpPr>
-        <p:spPr>
-          <a:xfrm>
-            <a:off x="0" y="1"/>
-            <a:ext cx="9144000" cy="764704"/>
-          </a:xfrm>
-          <a:gradFill flip="none" rotWithShape="1">
-            <a:gsLst>
-              <a:gs pos="0">
-                <a:srgbClr val="C00000">
-                  <a:shade val="30000"/>
-                  <a:satMod val="115000"/>
-                </a:srgbClr>
-              </a:gs>
-              <a:gs pos="50000">
-                <a:srgbClr val="C00000">
-                  <a:shade val="67500"/>
-                  <a:satMod val="115000"/>
-                </a:srgbClr>
-              </a:gs>
-              <a:gs pos="100000">
-                <a:srgbClr val="C00000">
-                  <a:shade val="100000"/>
-                  <a:satMod val="115000"/>
-                </a:srgbClr>
-              </a:gs>
-            </a:gsLst>
-            <a:path path="circle">
-              <a:fillToRect t="100000" r="100000"/>
-            </a:path>
-            <a:tileRect l="-100000" b="-100000"/>
-          </a:gradFill>
-        </p:spPr>
-        <p:txBody>
-          <a:bodyPr>
-            <a:normAutofit/>
-          </a:bodyPr>
-          <a:lstStyle/>
-          <a:p>
-            <a:pPr algn="l"/>
-            <a:r>
-              <a:rPr lang="en-US" altLang="zh-TW" b="1" dirty="0">
-                <a:solidFill>
-                  <a:srgbClr val="FFFF00"/>
-                </a:solidFill>
-              </a:rPr>
-              <a:t>6 Hello World</a:t>
-            </a:r>
-            <a:endParaRPr lang="zh-TW" altLang="en-US" b="1" dirty="0">
-              <a:solidFill>
-                <a:srgbClr val="FFFF00"/>
-              </a:solidFill>
-            </a:endParaRPr>
-          </a:p>
-        </p:txBody>
-      </p:sp>
-      <p:sp>
-        <p:nvSpPr>
-          <p:cNvPr id="3" name="副標題 2"/>
-          <p:cNvSpPr>
-            <a:spLocks noGrp="1"/>
-          </p:cNvSpPr>
-          <p:nvPr>
-            <p:ph type="subTitle" idx="1"/>
-          </p:nvPr>
-        </p:nvSpPr>
-        <p:spPr>
-          <a:xfrm>
-            <a:off x="467544" y="1268760"/>
-            <a:ext cx="8352928" cy="360040"/>
-          </a:xfrm>
-          <a:ln>
-            <a:solidFill>
-              <a:srgbClr val="C00000"/>
-            </a:solidFill>
-          </a:ln>
-        </p:spPr>
-        <p:txBody>
-          <a:bodyPr>
-            <a:noAutofit/>
-          </a:bodyPr>
-          <a:lstStyle/>
-          <a:p>
-            <a:pPr marL="342900" indent="-342900" algn="l">
-              <a:buClr>
-                <a:srgbClr val="0070C0"/>
-              </a:buClr>
-              <a:buSzPct val="80000"/>
-              <a:buFont typeface="Wingdings" pitchFamily="2" charset="2"/>
-              <a:buChar char="u"/>
-            </a:pPr>
-            <a:r>
-              <a:rPr lang="en-US" altLang="zh-TW" sz="1800" dirty="0">
-                <a:solidFill>
-                  <a:schemeClr val="tx1"/>
-                </a:solidFill>
-              </a:rPr>
-              <a:t>Deploy Hello World</a:t>
-            </a:r>
-          </a:p>
-        </p:txBody>
-      </p:sp>
-      <p:sp>
-        <p:nvSpPr>
-          <p:cNvPr id="4" name="標題 1"/>
-          <p:cNvSpPr txBox="1">
-            <a:spLocks/>
-          </p:cNvSpPr>
-          <p:nvPr/>
-        </p:nvSpPr>
-        <p:spPr>
-          <a:xfrm>
-            <a:off x="0" y="764704"/>
-            <a:ext cx="9144000" cy="360040"/>
-          </a:xfrm>
-          <a:prstGeom prst="rect">
-            <a:avLst/>
-          </a:prstGeom>
-          <a:gradFill flip="none" rotWithShape="1">
-            <a:gsLst>
-              <a:gs pos="0">
-                <a:srgbClr val="00B0F0">
-                  <a:shade val="30000"/>
-                  <a:satMod val="115000"/>
-                </a:srgbClr>
-              </a:gs>
-              <a:gs pos="50000">
-                <a:srgbClr val="00B0F0">
-                  <a:shade val="67500"/>
-                  <a:satMod val="115000"/>
-                </a:srgbClr>
-              </a:gs>
-              <a:gs pos="100000">
-                <a:srgbClr val="00B0F0">
-                  <a:shade val="100000"/>
-                  <a:satMod val="115000"/>
-                </a:srgbClr>
-              </a:gs>
-            </a:gsLst>
-            <a:path path="circle">
-              <a:fillToRect t="100000" r="100000"/>
-            </a:path>
-            <a:tileRect l="-100000" b="-100000"/>
-          </a:gradFill>
-        </p:spPr>
-        <p:txBody>
-          <a:bodyPr vert="horz" lIns="91440" tIns="45720" rIns="91440" bIns="45720" rtlCol="0" anchor="ctr">
-            <a:normAutofit/>
-          </a:bodyPr>
-          <a:lstStyle/>
-          <a:p>
-            <a:pPr lvl="0">
-              <a:spcBef>
-                <a:spcPct val="0"/>
-              </a:spcBef>
-            </a:pPr>
-            <a:r>
-              <a:rPr lang="en-US" sz="1600">
-                <a:hlinkClick r:id="rId2"/>
-              </a:rPr>
-              <a:t>https://kubernetes.io/docs/tutorials/hello-minikube/</a:t>
-            </a:r>
-            <a:endParaRPr kumimoji="0" lang="zh-TW" altLang="en-US" sz="1600" b="0" i="0" u="none" strike="noStrike" kern="1200" cap="none" spc="0" normalizeH="0" baseline="0" noProof="0" dirty="0">
-              <a:ln>
-                <a:noFill/>
-              </a:ln>
-              <a:solidFill>
-                <a:schemeClr val="tx1"/>
-              </a:solidFill>
-              <a:effectLst/>
-              <a:uLnTx/>
-              <a:uFillTx/>
-              <a:latin typeface="+mj-lt"/>
-              <a:ea typeface="+mj-ea"/>
-              <a:cs typeface="+mj-cs"/>
-            </a:endParaRPr>
-          </a:p>
-        </p:txBody>
-      </p:sp>
-      <p:sp>
-        <p:nvSpPr>
-          <p:cNvPr id="5" name="日期版面配置區 4"/>
-          <p:cNvSpPr>
-            <a:spLocks noGrp="1"/>
-          </p:cNvSpPr>
-          <p:nvPr>
-            <p:ph type="dt" sz="half" idx="10"/>
-          </p:nvPr>
-        </p:nvSpPr>
-        <p:spPr/>
-        <p:txBody>
-          <a:bodyPr/>
-          <a:lstStyle/>
-          <a:p>
-            <a:fld id="{A4F910E6-8D00-4BAF-8C48-9688E0B449D3}" type="datetime1">
-              <a:rPr lang="zh-TW" altLang="en-US" smtClean="0"/>
-              <a:pPr/>
-              <a:t>2020/4/24</a:t>
-            </a:fld>
-            <a:endParaRPr lang="zh-TW" altLang="en-US"/>
-          </a:p>
-        </p:txBody>
-      </p:sp>
-      <p:sp>
-        <p:nvSpPr>
-          <p:cNvPr id="6" name="投影片編號版面配置區 5"/>
-          <p:cNvSpPr>
-            <a:spLocks noGrp="1"/>
-          </p:cNvSpPr>
-          <p:nvPr>
-            <p:ph type="sldNum" sz="quarter" idx="12"/>
-          </p:nvPr>
-        </p:nvSpPr>
-        <p:spPr/>
-        <p:txBody>
-          <a:bodyPr/>
-          <a:lstStyle/>
-          <a:p>
-            <a:fld id="{E4D7E63D-91F2-4366-A2C4-1B00C9E2590E}" type="slidenum">
-              <a:rPr lang="zh-TW" altLang="en-US" smtClean="0"/>
-              <a:pPr/>
-              <a:t>2</a:t>
-            </a:fld>
-            <a:endParaRPr lang="zh-TW" altLang="en-US"/>
-          </a:p>
-        </p:txBody>
-      </p:sp>
-    </p:spTree>
-  </p:cSld>
-  <p:clrMapOvr>
-    <a:masterClrMapping/>
-  </p:clrMapOvr>
-</p:sld>
-</file>
-
-<file path=ppt/slides/slide20.xml><?xml version="1.0" encoding="utf-8"?>
-<p:sld xmlns:a="http://schemas.openxmlformats.org/drawingml/2006/main" xmlns:r="http://schemas.openxmlformats.org/officeDocument/2006/relationships" xmlns:p="http://schemas.openxmlformats.org/presentationml/2006/main">
-  <p:cSld>
-    <p:bg>
-      <p:bgPr>
-        <a:noFill/>
-        <a:effectLst/>
-      </p:bgPr>
-    </p:bg>
-    <p:spTree>
-      <p:nvGrpSpPr>
-        <p:cNvPr id="1" name=""/>
-        <p:cNvGrpSpPr/>
-        <p:nvPr/>
-      </p:nvGrpSpPr>
-      <p:grpSpPr>
-        <a:xfrm>
-          <a:off x="0" y="0"/>
-          <a:ext cx="0" cy="0"/>
-          <a:chOff x="0" y="0"/>
-          <a:chExt cx="0" cy="0"/>
-        </a:xfrm>
-      </p:grpSpPr>
-      <p:sp>
-        <p:nvSpPr>
-          <p:cNvPr id="2" name="標題 1"/>
-          <p:cNvSpPr>
-            <a:spLocks noGrp="1"/>
-          </p:cNvSpPr>
-          <p:nvPr>
-            <p:ph type="ctrTitle"/>
-          </p:nvPr>
-        </p:nvSpPr>
-        <p:spPr>
-          <a:xfrm>
-            <a:off x="0" y="1"/>
-            <a:ext cx="9144000" cy="764704"/>
-          </a:xfrm>
-          <a:gradFill flip="none" rotWithShape="1">
-            <a:gsLst>
-              <a:gs pos="0">
-                <a:srgbClr val="C00000">
-                  <a:shade val="30000"/>
-                  <a:satMod val="115000"/>
-                </a:srgbClr>
-              </a:gs>
-              <a:gs pos="50000">
-                <a:srgbClr val="C00000">
-                  <a:shade val="67500"/>
-                  <a:satMod val="115000"/>
-                </a:srgbClr>
-              </a:gs>
-              <a:gs pos="100000">
-                <a:srgbClr val="C00000">
-                  <a:shade val="100000"/>
-                  <a:satMod val="115000"/>
-                </a:srgbClr>
-              </a:gs>
-            </a:gsLst>
-            <a:path path="circle">
-              <a:fillToRect t="100000" r="100000"/>
-            </a:path>
-            <a:tileRect l="-100000" b="-100000"/>
-          </a:gradFill>
-        </p:spPr>
-        <p:txBody>
-          <a:bodyPr>
-            <a:normAutofit/>
-          </a:bodyPr>
-          <a:lstStyle/>
-          <a:p>
-            <a:pPr algn="l"/>
-            <a:r>
-              <a:rPr lang="en-US" altLang="zh-TW" b="1" dirty="0">
-                <a:solidFill>
-                  <a:srgbClr val="FFFF00"/>
-                </a:solidFill>
-              </a:rPr>
-              <a:t>6.4 Create a Service</a:t>
-            </a:r>
-            <a:endParaRPr lang="zh-TW" altLang="en-US" b="1" dirty="0">
-              <a:solidFill>
-                <a:srgbClr val="FFFF00"/>
-              </a:solidFill>
-            </a:endParaRPr>
-          </a:p>
-        </p:txBody>
-      </p:sp>
-      <p:sp>
-        <p:nvSpPr>
-          <p:cNvPr id="3" name="副標題 2"/>
-          <p:cNvSpPr>
-            <a:spLocks noGrp="1"/>
-          </p:cNvSpPr>
-          <p:nvPr>
-            <p:ph type="subTitle" idx="1"/>
-          </p:nvPr>
-        </p:nvSpPr>
-        <p:spPr>
-          <a:xfrm>
-            <a:off x="467544" y="1268759"/>
-            <a:ext cx="8352928" cy="1080122"/>
-          </a:xfrm>
-          <a:ln>
-            <a:solidFill>
-              <a:srgbClr val="C00000"/>
-            </a:solidFill>
-          </a:ln>
-        </p:spPr>
-        <p:txBody>
-          <a:bodyPr>
-            <a:noAutofit/>
-          </a:bodyPr>
-          <a:lstStyle/>
-          <a:p>
-            <a:pPr marL="342900" indent="-342900" algn="l">
-              <a:buClr>
-                <a:srgbClr val="0070C0"/>
-              </a:buClr>
-              <a:buSzPct val="80000"/>
-              <a:buFont typeface="Wingdings" pitchFamily="2" charset="2"/>
-              <a:buChar char="u"/>
-            </a:pPr>
-            <a:r>
-              <a:rPr lang="en-US" sz="1800" b="1" dirty="0">
-                <a:solidFill>
-                  <a:schemeClr val="tx1"/>
-                </a:solidFill>
-              </a:rPr>
-              <a:t>This site can’t be reached</a:t>
-            </a:r>
-            <a:endParaRPr lang="en-US" sz="1800" dirty="0">
-              <a:solidFill>
-                <a:schemeClr val="tx1"/>
-              </a:solidFill>
-              <a:hlinkClick r:id="rId2">
-                <a:extLst>
-                  <a:ext uri="{A12FA001-AC4F-418D-AE19-62706E023703}">
-                    <ahyp:hlinkClr xmlns:ahyp="http://schemas.microsoft.com/office/drawing/2018/hyperlinkcolor" val="tx"/>
-                  </a:ext>
-                </a:extLst>
-              </a:hlinkClick>
-            </a:endParaRPr>
-          </a:p>
-          <a:p>
-            <a:pPr marL="342900" indent="-342900" algn="l">
-              <a:buClr>
-                <a:srgbClr val="0070C0"/>
-              </a:buClr>
-              <a:buSzPct val="80000"/>
-              <a:buFont typeface="Wingdings" pitchFamily="2" charset="2"/>
-              <a:buChar char="u"/>
-            </a:pPr>
-            <a:r>
-              <a:rPr lang="en-US" sz="1800" dirty="0">
-                <a:solidFill>
-                  <a:schemeClr val="tx1"/>
-                </a:solidFill>
-                <a:hlinkClick r:id="rId2">
-                  <a:extLst>
-                    <a:ext uri="{A12FA001-AC4F-418D-AE19-62706E023703}">
-                      <ahyp:hlinkClr xmlns:ahyp="http://schemas.microsoft.com/office/drawing/2018/hyperlinkcolor" val="tx"/>
-                    </a:ext>
-                  </a:extLst>
-                </a:hlinkClick>
-              </a:rPr>
-              <a:t>https://www.youtube.com/watch?v=RBwtQEWt6L0</a:t>
-            </a:r>
-            <a:endParaRPr lang="en-US" sz="1800" dirty="0">
-              <a:solidFill>
-                <a:schemeClr val="tx1"/>
-              </a:solidFill>
-            </a:endParaRPr>
-          </a:p>
-          <a:p>
-            <a:pPr marL="342900" indent="-342900" algn="l">
-              <a:buClr>
-                <a:srgbClr val="0070C0"/>
-              </a:buClr>
-              <a:buSzPct val="80000"/>
-              <a:buFont typeface="Wingdings" pitchFamily="2" charset="2"/>
-              <a:buChar char="u"/>
-            </a:pPr>
-            <a:r>
-              <a:rPr lang="en-US" sz="1800" b="1" dirty="0">
-                <a:solidFill>
-                  <a:srgbClr val="C00000"/>
-                </a:solidFill>
-              </a:rPr>
-              <a:t>What is the problem?</a:t>
-            </a:r>
-            <a:endParaRPr lang="en-US" altLang="en-US" sz="1800" b="1" dirty="0">
-              <a:solidFill>
-                <a:srgbClr val="C00000"/>
-              </a:solidFill>
-              <a:latin typeface="Roboto"/>
-            </a:endParaRPr>
-          </a:p>
-        </p:txBody>
-      </p:sp>
-      <p:sp>
-        <p:nvSpPr>
-          <p:cNvPr id="4" name="標題 1"/>
-          <p:cNvSpPr txBox="1">
-            <a:spLocks/>
-          </p:cNvSpPr>
-          <p:nvPr/>
-        </p:nvSpPr>
-        <p:spPr>
-          <a:xfrm>
-            <a:off x="0" y="764704"/>
-            <a:ext cx="9144000" cy="360040"/>
-          </a:xfrm>
-          <a:prstGeom prst="rect">
-            <a:avLst/>
-          </a:prstGeom>
-          <a:gradFill flip="none" rotWithShape="1">
-            <a:gsLst>
-              <a:gs pos="0">
-                <a:srgbClr val="00B0F0">
-                  <a:shade val="30000"/>
-                  <a:satMod val="115000"/>
-                </a:srgbClr>
-              </a:gs>
-              <a:gs pos="50000">
-                <a:srgbClr val="00B0F0">
-                  <a:shade val="67500"/>
-                  <a:satMod val="115000"/>
-                </a:srgbClr>
-              </a:gs>
-              <a:gs pos="100000">
-                <a:srgbClr val="00B0F0">
-                  <a:shade val="100000"/>
-                  <a:satMod val="115000"/>
-                </a:srgbClr>
-              </a:gs>
-            </a:gsLst>
-            <a:path path="circle">
-              <a:fillToRect t="100000" r="100000"/>
-            </a:path>
-            <a:tileRect l="-100000" b="-100000"/>
-          </a:gradFill>
-        </p:spPr>
-        <p:txBody>
-          <a:bodyPr vert="horz" lIns="91440" tIns="45720" rIns="91440" bIns="45720" rtlCol="0" anchor="ctr">
-            <a:normAutofit/>
-          </a:bodyPr>
-          <a:lstStyle/>
-          <a:p>
-            <a:pPr lvl="0">
-              <a:spcBef>
-                <a:spcPct val="0"/>
-              </a:spcBef>
-            </a:pPr>
-            <a:r>
-              <a:rPr lang="en-US" sz="1600" dirty="0">
-                <a:hlinkClick r:id="rId3"/>
-              </a:rPr>
-              <a:t>https://kubernetes.io/docs/tutorials/hello-minikube/</a:t>
-            </a:r>
-            <a:endParaRPr kumimoji="0" lang="zh-TW" altLang="en-US" sz="1600" b="0" i="0" u="none" strike="noStrike" kern="1200" cap="none" spc="0" normalizeH="0" baseline="0" noProof="0" dirty="0">
-              <a:ln>
-                <a:noFill/>
-              </a:ln>
-              <a:solidFill>
-                <a:schemeClr val="tx1"/>
-              </a:solidFill>
-              <a:effectLst/>
-              <a:uLnTx/>
-              <a:uFillTx/>
-              <a:latin typeface="+mj-lt"/>
-              <a:ea typeface="+mj-ea"/>
-              <a:cs typeface="+mj-cs"/>
-            </a:endParaRPr>
-          </a:p>
-        </p:txBody>
-      </p:sp>
-      <p:sp>
-        <p:nvSpPr>
-          <p:cNvPr id="5" name="日期版面配置區 4"/>
-          <p:cNvSpPr>
-            <a:spLocks noGrp="1"/>
-          </p:cNvSpPr>
-          <p:nvPr>
-            <p:ph type="dt" sz="half" idx="10"/>
-          </p:nvPr>
-        </p:nvSpPr>
-        <p:spPr/>
-        <p:txBody>
-          <a:bodyPr/>
-          <a:lstStyle/>
-          <a:p>
-            <a:fld id="{A4F910E6-8D00-4BAF-8C48-9688E0B449D3}" type="datetime1">
-              <a:rPr lang="zh-TW" altLang="en-US" smtClean="0"/>
-              <a:pPr/>
-              <a:t>2020/4/24</a:t>
-            </a:fld>
-            <a:endParaRPr lang="zh-TW" altLang="en-US"/>
-          </a:p>
-        </p:txBody>
-      </p:sp>
-      <p:sp>
-        <p:nvSpPr>
-          <p:cNvPr id="6" name="投影片編號版面配置區 5"/>
-          <p:cNvSpPr>
-            <a:spLocks noGrp="1"/>
-          </p:cNvSpPr>
-          <p:nvPr>
-            <p:ph type="sldNum" sz="quarter" idx="12"/>
-          </p:nvPr>
-        </p:nvSpPr>
-        <p:spPr/>
-        <p:txBody>
-          <a:bodyPr/>
-          <a:lstStyle/>
-          <a:p>
-            <a:fld id="{E4D7E63D-91F2-4366-A2C4-1B00C9E2590E}" type="slidenum">
-              <a:rPr lang="zh-TW" altLang="en-US" smtClean="0"/>
-              <a:pPr/>
-              <a:t>20</a:t>
-            </a:fld>
-            <a:endParaRPr lang="zh-TW" altLang="en-US"/>
-          </a:p>
-        </p:txBody>
-      </p:sp>
-      <p:sp>
-        <p:nvSpPr>
-          <p:cNvPr id="8" name="Rectangle 2">
-            <a:extLst>
-              <a:ext uri="{FF2B5EF4-FFF2-40B4-BE49-F238E27FC236}">
-                <a16:creationId xmlns:a16="http://schemas.microsoft.com/office/drawing/2014/main" id="{CE04BFC2-17A5-4D88-AB75-09117EFFD5AB}"/>
-              </a:ext>
-            </a:extLst>
-          </p:cNvPr>
-          <p:cNvSpPr>
-            <a:spLocks noChangeArrowheads="1"/>
-          </p:cNvSpPr>
-          <p:nvPr/>
-        </p:nvSpPr>
-        <p:spPr bwMode="auto">
-          <a:xfrm>
-            <a:off x="0" y="-46166"/>
-            <a:ext cx="9144000" cy="92333"/>
-          </a:xfrm>
-          <a:prstGeom prst="rect">
-            <a:avLst/>
-          </a:prstGeom>
-          <a:noFill/>
-          <a:ln>
-            <a:noFill/>
-          </a:ln>
-          <a:effectLst/>
-          <a:extLst>
-            <a:ext uri="{909E8E84-426E-40DD-AFC4-6F175D3DCCD1}">
-              <a14:hiddenFill xmlns:a14="http://schemas.microsoft.com/office/drawing/2010/main">
-                <a:solidFill>
-                  <a:schemeClr val="accent1"/>
-                </a:solidFill>
-              </a14:hiddenFill>
-            </a:ext>
-            <a:ext uri="{91240B29-F687-4F45-9708-019B960494DF}">
-              <a14:hiddenLine xmlns:a14="http://schemas.microsoft.com/office/drawing/2010/main" w="9525">
-                <a:solidFill>
-                  <a:schemeClr val="tx1"/>
-                </a:solidFill>
-                <a:miter lim="800000"/>
-                <a:headEnd/>
-                <a:tailEnd/>
-              </a14:hiddenLine>
-            </a:ext>
-            <a:ext uri="{AF507438-7753-43E0-B8FC-AC1667EBCBE1}">
-              <a14:hiddenEffects xmlns:a14="http://schemas.microsoft.com/office/drawing/2010/main">
-                <a:effectLst>
-                  <a:outerShdw dist="35921" dir="2700000" algn="ctr" rotWithShape="0">
-                    <a:schemeClr val="bg2"/>
-                  </a:outerShdw>
-                </a:effectLst>
-              </a14:hiddenEffects>
-            </a:ext>
-          </a:extLst>
-        </p:spPr>
-        <p:txBody>
-          <a:bodyPr vert="horz" wrap="square" lIns="0" tIns="0" rIns="0" bIns="0" numCol="1" anchor="ctr" anchorCtr="0" compatLnSpc="1">
-            <a:prstTxWarp prst="textNoShape">
-              <a:avLst/>
-            </a:prstTxWarp>
-            <a:spAutoFit/>
-          </a:bodyPr>
-          <a:lstStyle/>
-          <a:p>
-            <a:pPr marL="0" marR="0" lvl="0" indent="0" algn="l" defTabSz="914400" rtl="0" eaLnBrk="0" fontAlgn="base" latinLnBrk="0" hangingPunct="0">
-              <a:lnSpc>
-                <a:spcPct val="100000"/>
-              </a:lnSpc>
-              <a:spcBef>
-                <a:spcPct val="0"/>
-              </a:spcBef>
-              <a:spcAft>
-                <a:spcPct val="0"/>
-              </a:spcAft>
-              <a:buClrTx/>
-              <a:buSzTx/>
-              <a:buFontTx/>
-              <a:buNone/>
-              <a:tabLst/>
-            </a:pPr>
-            <a:r>
-              <a:rPr kumimoji="0" lang="en-US" altLang="en-US" sz="600" b="0" i="0" u="none" strike="noStrike" cap="none" normalizeH="0" baseline="0" dirty="0">
-                <a:ln>
-                  <a:noFill/>
-                </a:ln>
-                <a:solidFill>
-                  <a:schemeClr val="tx1"/>
-                </a:solidFill>
-                <a:effectLst/>
-              </a:rPr>
-              <a:t> </a:t>
-            </a:r>
-            <a:endParaRPr kumimoji="0" lang="en-US" altLang="en-US" sz="1800" b="0" i="0" u="none" strike="noStrike" cap="none" normalizeH="0" baseline="0" dirty="0">
-              <a:ln>
-                <a:noFill/>
-              </a:ln>
-              <a:solidFill>
-                <a:schemeClr val="tx1"/>
-              </a:solidFill>
-              <a:effectLst/>
-              <a:latin typeface="Arial" panose="020B0604020202020204" pitchFamily="34" charset="0"/>
-            </a:endParaRPr>
-          </a:p>
-        </p:txBody>
-      </p:sp>
-    </p:spTree>
-    <p:extLst>
-      <p:ext uri="{BB962C8B-B14F-4D97-AF65-F5344CB8AC3E}">
-        <p14:creationId xmlns:p14="http://schemas.microsoft.com/office/powerpoint/2010/main" val="2008810746"/>
       </p:ext>
     </p:extLst>
   </p:cSld>
@@ -11361,7 +11329,7 @@
             <a:fld id="{C389EDC9-19E3-47AC-9C57-C6A24DEA81AD}" type="datetime1">
               <a:rPr lang="zh-TW" altLang="en-US" smtClean="0"/>
               <a:pPr/>
-              <a:t>2020/4/24</a:t>
+              <a:t>2020/4/25</a:t>
             </a:fld>
             <a:endParaRPr lang="zh-TW" altLang="en-US"/>
           </a:p>
@@ -11716,7 +11684,7 @@
             <a:fld id="{A4F910E6-8D00-4BAF-8C48-9688E0B449D3}" type="datetime1">
               <a:rPr lang="zh-TW" altLang="en-US" smtClean="0"/>
               <a:pPr/>
-              <a:t>2020/4/24</a:t>
+              <a:t>2020/4/25</a:t>
             </a:fld>
             <a:endParaRPr lang="zh-TW" altLang="en-US"/>
           </a:p>
@@ -12199,7 +12167,7 @@
             <a:fld id="{A4F910E6-8D00-4BAF-8C48-9688E0B449D3}" type="datetime1">
               <a:rPr lang="zh-TW" altLang="en-US" smtClean="0"/>
               <a:pPr/>
-              <a:t>2020/4/24</a:t>
+              <a:t>2020/4/25</a:t>
             </a:fld>
             <a:endParaRPr lang="zh-TW" altLang="en-US"/>
           </a:p>
@@ -13061,7 +13029,7 @@
             <a:fld id="{A4F910E6-8D00-4BAF-8C48-9688E0B449D3}" type="datetime1">
               <a:rPr lang="zh-TW" altLang="en-US" smtClean="0"/>
               <a:pPr/>
-              <a:t>2020/4/24</a:t>
+              <a:t>2020/4/25</a:t>
             </a:fld>
             <a:endParaRPr lang="zh-TW" altLang="en-US"/>
           </a:p>
@@ -13321,7 +13289,7 @@
             <a:fld id="{C389EDC9-19E3-47AC-9C57-C6A24DEA81AD}" type="datetime1">
               <a:rPr lang="zh-TW" altLang="en-US" smtClean="0"/>
               <a:pPr/>
-              <a:t>2020/4/24</a:t>
+              <a:t>2020/4/25</a:t>
             </a:fld>
             <a:endParaRPr lang="zh-TW" altLang="en-US"/>
           </a:p>
@@ -13493,7 +13461,7 @@
             <a:fld id="{4E46BE27-E923-4EC2-B046-3272AE2A3E5C}" type="datetime1">
               <a:rPr lang="zh-TW" altLang="en-US" smtClean="0"/>
               <a:pPr/>
-              <a:t>2020/4/24</a:t>
+              <a:t>2020/4/25</a:t>
             </a:fld>
             <a:endParaRPr lang="zh-TW" altLang="en-US"/>
           </a:p>
@@ -13615,7 +13583,7 @@
             <a:fld id="{C389EDC9-19E3-47AC-9C57-C6A24DEA81AD}" type="datetime1">
               <a:rPr lang="zh-TW" altLang="en-US" smtClean="0"/>
               <a:pPr/>
-              <a:t>2020/4/24</a:t>
+              <a:t>2020/4/25</a:t>
             </a:fld>
             <a:endParaRPr lang="zh-TW" altLang="en-US"/>
           </a:p>
@@ -13941,7 +13909,7 @@
             <a:fld id="{A4F910E6-8D00-4BAF-8C48-9688E0B449D3}" type="datetime1">
               <a:rPr lang="zh-TW" altLang="en-US" smtClean="0"/>
               <a:pPr/>
-              <a:t>2020/4/24</a:t>
+              <a:t>2020/4/25</a:t>
             </a:fld>
             <a:endParaRPr lang="zh-TW" altLang="en-US"/>
           </a:p>
@@ -14369,7 +14337,7 @@
             <a:fld id="{A4F910E6-8D00-4BAF-8C48-9688E0B449D3}" type="datetime1">
               <a:rPr lang="zh-TW" altLang="en-US" smtClean="0"/>
               <a:pPr/>
-              <a:t>2020/4/24</a:t>
+              <a:t>2020/4/25</a:t>
             </a:fld>
             <a:endParaRPr lang="zh-TW" altLang="en-US"/>
           </a:p>
@@ -14632,7 +14600,7 @@
             <a:fld id="{C389EDC9-19E3-47AC-9C57-C6A24DEA81AD}" type="datetime1">
               <a:rPr lang="zh-TW" altLang="en-US" smtClean="0"/>
               <a:pPr/>
-              <a:t>2020/4/24</a:t>
+              <a:t>2020/4/25</a:t>
             </a:fld>
             <a:endParaRPr lang="zh-TW" altLang="en-US"/>
           </a:p>
@@ -14990,7 +14958,7 @@
             <a:fld id="{A4F910E6-8D00-4BAF-8C48-9688E0B449D3}" type="datetime1">
               <a:rPr lang="zh-TW" altLang="en-US" smtClean="0"/>
               <a:pPr/>
-              <a:t>2020/4/24</a:t>
+              <a:t>2020/4/25</a:t>
             </a:fld>
             <a:endParaRPr lang="zh-TW" altLang="en-US"/>
           </a:p>
@@ -15457,7 +15425,7 @@
             <a:fld id="{A4F910E6-8D00-4BAF-8C48-9688E0B449D3}" type="datetime1">
               <a:rPr lang="zh-TW" altLang="en-US" smtClean="0"/>
               <a:pPr/>
-              <a:t>2020/4/24</a:t>
+              <a:t>2020/4/25</a:t>
             </a:fld>
             <a:endParaRPr lang="zh-TW" altLang="en-US"/>
           </a:p>
@@ -15717,7 +15685,7 @@
             <a:fld id="{C389EDC9-19E3-47AC-9C57-C6A24DEA81AD}" type="datetime1">
               <a:rPr lang="zh-TW" altLang="en-US" smtClean="0"/>
               <a:pPr/>
-              <a:t>2020/4/24</a:t>
+              <a:t>2020/4/25</a:t>
             </a:fld>
             <a:endParaRPr lang="zh-TW" altLang="en-US"/>
           </a:p>
